--- a/week-6/sql-null.pptx
+++ b/week-6/sql-null.pptx
@@ -288,7 +288,7 @@
           <a:p>
             <a:fld id="{D1F81634-593A-4D5B-ADD7-B799CF0FC8CA}" type="datetimeFigureOut">
               <a:rPr lang="en-US" smtClean="0"/>
-              <a:t>11/8/2019</a:t>
+              <a:t>11/25/2019</a:t>
             </a:fld>
             <a:endParaRPr lang="en-US"/>
           </a:p>
@@ -618,7 +618,7 @@
           <a:p>
             <a:fld id="{D1F81634-593A-4D5B-ADD7-B799CF0FC8CA}" type="datetimeFigureOut">
               <a:rPr lang="en-US" smtClean="0"/>
-              <a:t>11/8/2019</a:t>
+              <a:t>11/25/2019</a:t>
             </a:fld>
             <a:endParaRPr lang="en-US"/>
           </a:p>
@@ -798,7 +798,7 @@
           <a:p>
             <a:fld id="{D1F81634-593A-4D5B-ADD7-B799CF0FC8CA}" type="datetimeFigureOut">
               <a:rPr lang="en-US" smtClean="0"/>
-              <a:t>11/8/2019</a:t>
+              <a:t>11/25/2019</a:t>
             </a:fld>
             <a:endParaRPr lang="en-US"/>
           </a:p>
@@ -968,7 +968,7 @@
           <a:p>
             <a:fld id="{D1F81634-593A-4D5B-ADD7-B799CF0FC8CA}" type="datetimeFigureOut">
               <a:rPr lang="en-US" smtClean="0"/>
-              <a:t>11/8/2019</a:t>
+              <a:t>11/25/2019</a:t>
             </a:fld>
             <a:endParaRPr lang="en-US"/>
           </a:p>
@@ -1245,7 +1245,7 @@
           <a:p>
             <a:fld id="{D1F81634-593A-4D5B-ADD7-B799CF0FC8CA}" type="datetimeFigureOut">
               <a:rPr lang="en-US" smtClean="0"/>
-              <a:t>11/8/2019</a:t>
+              <a:t>11/25/2019</a:t>
             </a:fld>
             <a:endParaRPr lang="en-US"/>
           </a:p>
@@ -1639,7 +1639,7 @@
           <a:p>
             <a:fld id="{D1F81634-593A-4D5B-ADD7-B799CF0FC8CA}" type="datetimeFigureOut">
               <a:rPr lang="en-US" smtClean="0"/>
-              <a:t>11/8/2019</a:t>
+              <a:t>11/25/2019</a:t>
             </a:fld>
             <a:endParaRPr lang="en-US"/>
           </a:p>
@@ -2116,7 +2116,7 @@
           <a:p>
             <a:fld id="{D1F81634-593A-4D5B-ADD7-B799CF0FC8CA}" type="datetimeFigureOut">
               <a:rPr lang="en-US" smtClean="0"/>
-              <a:t>11/8/2019</a:t>
+              <a:t>11/25/2019</a:t>
             </a:fld>
             <a:endParaRPr lang="en-US"/>
           </a:p>
@@ -2234,7 +2234,7 @@
           <a:p>
             <a:fld id="{D1F81634-593A-4D5B-ADD7-B799CF0FC8CA}" type="datetimeFigureOut">
               <a:rPr lang="en-US" smtClean="0"/>
-              <a:t>11/8/2019</a:t>
+              <a:t>11/25/2019</a:t>
             </a:fld>
             <a:endParaRPr lang="en-US"/>
           </a:p>
@@ -2329,7 +2329,7 @@
           <a:p>
             <a:fld id="{D1F81634-593A-4D5B-ADD7-B799CF0FC8CA}" type="datetimeFigureOut">
               <a:rPr lang="en-US" smtClean="0"/>
-              <a:t>11/8/2019</a:t>
+              <a:t>11/25/2019</a:t>
             </a:fld>
             <a:endParaRPr lang="en-US"/>
           </a:p>
@@ -2675,7 +2675,7 @@
           <a:p>
             <a:fld id="{D1F81634-593A-4D5B-ADD7-B799CF0FC8CA}" type="datetimeFigureOut">
               <a:rPr lang="en-US" smtClean="0"/>
-              <a:t>11/8/2019</a:t>
+              <a:t>11/25/2019</a:t>
             </a:fld>
             <a:endParaRPr lang="en-US"/>
           </a:p>
@@ -3063,7 +3063,7 @@
           <a:p>
             <a:fld id="{D1F81634-593A-4D5B-ADD7-B799CF0FC8CA}" type="datetimeFigureOut">
               <a:rPr lang="en-US" smtClean="0"/>
-              <a:t>11/8/2019</a:t>
+              <a:t>11/25/2019</a:t>
             </a:fld>
             <a:endParaRPr lang="en-US"/>
           </a:p>
@@ -3341,7 +3341,7 @@
           <a:p>
             <a:fld id="{D1F81634-593A-4D5B-ADD7-B799CF0FC8CA}" type="datetimeFigureOut">
               <a:rPr lang="en-US" smtClean="0"/>
-              <a:t>11/8/2019</a:t>
+              <a:t>11/25/2019</a:t>
             </a:fld>
             <a:endParaRPr lang="en-US"/>
           </a:p>
@@ -4236,7 +4236,7 @@
           <a:p>
             <a:r>
               <a:rPr lang="en-US" dirty="0"/>
-              <a:t>Every programming language has a method to treats missing and/or unknown values.</a:t>
+              <a:t>Every programming language has a method to treat missing and/or unknown values.</a:t>
             </a:r>
           </a:p>
           <a:p>
@@ -4276,7 +4276,7 @@
           <a:p>
             <a:r>
               <a:rPr lang="en-US" dirty="0"/>
-              <a:t>In SQL, missing data values and unknown data values are qualitatively.</a:t>
+              <a:t>In SQL, missing data values and unknown data values are qualitatively distinct.</a:t>
             </a:r>
           </a:p>
           <a:p>
@@ -4652,7 +4652,7 @@
           <a:p>
             <a:r>
               <a:rPr lang="en-US" dirty="0"/>
-              <a:t>Missing values.</a:t>
+              <a:t>NULL for one or more missing values.</a:t>
             </a:r>
           </a:p>
           <a:p>
@@ -4702,7 +4702,7 @@
           <a:p>
             <a:r>
               <a:rPr lang="en-US" dirty="0"/>
-              <a:t>Values that have yet to be populated.</a:t>
+              <a:t>NULL for values that have yet to be populated.</a:t>
             </a:r>
           </a:p>
           <a:p>
@@ -4752,7 +4752,7 @@
               <a:t>field in the </a:t>
             </a:r>
             <a:r>
-              <a:rPr lang="en-US" dirty="0" err="1"/>
+              <a:rPr lang="en-US" i="0" dirty="0" err="1"/>
               <a:t>AdventureWorks</a:t>
             </a:r>
             <a:r>
@@ -5593,7 +5593,7 @@
           <a:graphicData uri="http://schemas.openxmlformats.org/presentationml/2006/ole">
             <mc:AlternateContent xmlns:mc="http://schemas.openxmlformats.org/markup-compatibility/2006">
               <mc:Choice xmlns:v="urn:schemas-microsoft-com:vml" Requires="v">
-                <p:oleObj spid="_x0000_s7179" name="Worksheet" r:id="rId3" imgW="5912978" imgH="921886" progId="Excel.Sheet.12">
+                <p:oleObj spid="_x0000_s7181" name="Worksheet" r:id="rId3" imgW="5912978" imgH="921886" progId="Excel.Sheet.12">
                   <p:embed/>
                 </p:oleObj>
               </mc:Choice>
